--- a/Chapter2/Anatomy of COM server.pptx
+++ b/Chapter2/Anatomy of COM server.pptx
@@ -105,6 +105,11 @@
       </a:defRPr>
     </a:lvl9pPr>
   </p:defaultTextStyle>
+  <p:extLst>
+    <p:ext uri="{EFAFB233-063F-42B5-8137-9DF3F51BA10A}">
+      <p15:sldGuideLst xmlns:p15="http://schemas.microsoft.com/office/powerpoint/2012/main"/>
+    </p:ext>
+  </p:extLst>
 </p:presentation>
 </file>
 
@@ -3080,117 +3085,135 @@
         <p:spPr/>
         <p:txBody>
           <a:bodyPr>
-            <a:normAutofit fontScale="92500" lnSpcReduction="20000"/>
+            <a:normAutofit fontScale="77500" lnSpcReduction="20000"/>
           </a:bodyPr>
           <a:lstStyle/>
           <a:p>
             <a:r>
               <a:rPr lang="en-US" dirty="0" smtClean="0"/>
-              <a:t>Interface strongly typed variables</a:t>
+              <a:t>What is purpose of the COM? Why COM? </a:t>
+            </a:r>
+            <a:r>
+              <a:rPr lang="en-US" i="1" dirty="0" smtClean="0"/>
+              <a:t>Why do we need COM?</a:t>
+            </a:r>
+          </a:p>
+          <a:p>
+            <a:r>
+              <a:rPr lang="en-US" i="1" dirty="0" smtClean="0"/>
+              <a:t>..</a:t>
+            </a:r>
+          </a:p>
+          <a:p>
+            <a:r>
+              <a:rPr lang="en-US" i="1" dirty="0" smtClean="0"/>
+              <a:t>Interface </a:t>
+            </a:r>
+            <a:r>
+              <a:rPr lang="en-US" i="1" dirty="0" smtClean="0"/>
+              <a:t>strongly typed variables</a:t>
+            </a:r>
+          </a:p>
+          <a:p>
+            <a:r>
+              <a:rPr lang="en-US" i="1" dirty="0" smtClean="0"/>
+              <a:t>Interface versioning (</a:t>
+            </a:r>
+            <a:r>
+              <a:rPr lang="en-US" i="1" dirty="0" err="1" smtClean="0"/>
+              <a:t>Icar</a:t>
+            </a:r>
+            <a:r>
+              <a:rPr lang="en-US" i="1" dirty="0" smtClean="0"/>
+              <a:t>, ICar2, ICar3 …)</a:t>
+            </a:r>
+          </a:p>
+          <a:p>
+            <a:r>
+              <a:rPr lang="en-US" i="1" dirty="0" smtClean="0"/>
+              <a:t>COM server, COM client, COM runtime</a:t>
+            </a:r>
+          </a:p>
+          <a:p>
+            <a:r>
+              <a:rPr lang="en-US" i="1" dirty="0" smtClean="0"/>
+              <a:t>IDL, + (example?), *.</a:t>
+            </a:r>
+            <a:r>
+              <a:rPr lang="en-US" i="1" dirty="0" err="1" smtClean="0"/>
+              <a:t>idl</a:t>
+            </a:r>
+            <a:r>
+              <a:rPr lang="en-US" i="1" dirty="0" smtClean="0"/>
+              <a:t>, </a:t>
+            </a:r>
+            <a:r>
+              <a:rPr lang="en-US" i="1" dirty="0" err="1" smtClean="0"/>
+              <a:t>coclass</a:t>
+            </a:r>
+            <a:r>
+              <a:rPr lang="en-US" i="1" dirty="0" smtClean="0"/>
+              <a:t> in </a:t>
+            </a:r>
+            <a:r>
+              <a:rPr lang="en-US" i="1" dirty="0" err="1" smtClean="0"/>
+              <a:t>idl</a:t>
+            </a:r>
+            <a:r>
+              <a:rPr lang="en-US" i="1" dirty="0" smtClean="0"/>
+              <a:t>, IDL parameters, MIDL.exe</a:t>
+            </a:r>
+          </a:p>
+          <a:p>
+            <a:r>
+              <a:rPr lang="en-US" i="1" dirty="0" smtClean="0"/>
+              <a:t>GUID (IID, CLSID, LIBID, CATID)</a:t>
+            </a:r>
+          </a:p>
+          <a:p>
+            <a:r>
+              <a:rPr lang="en-US" i="1" dirty="0" err="1" smtClean="0"/>
+              <a:t>IUnknown</a:t>
+            </a:r>
+            <a:r>
+              <a:rPr lang="en-US" i="1" dirty="0" smtClean="0"/>
+              <a:t> (Release, Add, …)   + code example?</a:t>
+            </a:r>
+          </a:p>
+          <a:p>
+            <a:r>
+              <a:rPr lang="en-US" i="1" dirty="0" err="1" smtClean="0"/>
+              <a:t>IClassFactory</a:t>
+            </a:r>
+            <a:r>
+              <a:rPr lang="en-US" i="1" dirty="0" smtClean="0"/>
+              <a:t> + code example?</a:t>
+            </a:r>
+          </a:p>
+          <a:p>
+            <a:r>
+              <a:rPr lang="en-US" i="1" dirty="0" smtClean="0"/>
+              <a:t>Registries, Registering COM server</a:t>
+            </a:r>
+          </a:p>
+          <a:p>
+            <a:r>
+              <a:rPr lang="en-US" i="1" dirty="0" smtClean="0"/>
+              <a:t>…</a:t>
             </a:r>
           </a:p>
           <a:p>
             <a:r>
               <a:rPr lang="en-US" dirty="0" smtClean="0"/>
-              <a:t>Interface versioning (</a:t>
-            </a:r>
-            <a:r>
-              <a:rPr lang="en-US" dirty="0" err="1" smtClean="0"/>
-              <a:t>Icar</a:t>
-            </a:r>
-            <a:r>
-              <a:rPr lang="en-US" dirty="0" smtClean="0"/>
-              <a:t>, ICar2, ICar3 …)</a:t>
-            </a:r>
-          </a:p>
-          <a:p>
-            <a:r>
-              <a:rPr lang="en-US" dirty="0" smtClean="0"/>
-              <a:t>COM server, COM client, COM runtime</a:t>
-            </a:r>
-          </a:p>
-          <a:p>
-            <a:r>
-              <a:rPr lang="en-US" dirty="0" smtClean="0"/>
-              <a:t>IDL, + (example?), *.</a:t>
-            </a:r>
-            <a:r>
-              <a:rPr lang="en-US" dirty="0" err="1" smtClean="0"/>
-              <a:t>idl</a:t>
-            </a:r>
-            <a:r>
-              <a:rPr lang="en-US" dirty="0" smtClean="0"/>
-              <a:t>, </a:t>
-            </a:r>
-            <a:r>
-              <a:rPr lang="en-US" dirty="0" err="1" smtClean="0"/>
-              <a:t>coclass</a:t>
-            </a:r>
-            <a:r>
-              <a:rPr lang="en-US" dirty="0" smtClean="0"/>
-              <a:t> in </a:t>
-            </a:r>
-            <a:r>
-              <a:rPr lang="en-US" dirty="0" err="1" smtClean="0"/>
-              <a:t>idl</a:t>
-            </a:r>
-            <a:r>
-              <a:rPr lang="en-US" dirty="0" smtClean="0"/>
-              <a:t>, </a:t>
-            </a:r>
-            <a:r>
-              <a:rPr lang="en-US" dirty="0" smtClean="0"/>
-              <a:t>IDL parameters, MIDL.exe</a:t>
+              <a:t>Conclusions: What have we learn, what we gained, ..</a:t>
             </a:r>
             <a:endParaRPr lang="en-US" dirty="0" smtClean="0"/>
           </a:p>
           <a:p>
-            <a:r>
-              <a:rPr lang="en-US" dirty="0" smtClean="0"/>
-              <a:t>GUID (IID, CLSID, LIBID, CATID)</a:t>
-            </a:r>
-          </a:p>
-          <a:p>
-            <a:r>
-              <a:rPr lang="en-US" dirty="0" err="1" smtClean="0"/>
-              <a:t>IUnknown</a:t>
-            </a:r>
-            <a:r>
-              <a:rPr lang="en-US" dirty="0" smtClean="0"/>
-              <a:t> (Release, Add, …)   + code example?</a:t>
-            </a:r>
-          </a:p>
-          <a:p>
-            <a:r>
-              <a:rPr lang="en-US" dirty="0" err="1" smtClean="0"/>
-              <a:t>IClassFactory</a:t>
-            </a:r>
-            <a:r>
-              <a:rPr lang="en-US" dirty="0" smtClean="0"/>
-              <a:t> + code example?</a:t>
-            </a:r>
-          </a:p>
-          <a:p>
-            <a:r>
-              <a:rPr lang="en-US" dirty="0" smtClean="0"/>
-              <a:t>Registries, </a:t>
-            </a:r>
-            <a:r>
-              <a:rPr lang="en-US" dirty="0" smtClean="0"/>
-              <a:t>Registering COM server</a:t>
-            </a:r>
-          </a:p>
-          <a:p>
-            <a:r>
-              <a:rPr lang="en-US" dirty="0" smtClean="0"/>
-              <a:t>…</a:t>
-            </a:r>
-          </a:p>
-          <a:p>
-            <a:r>
-              <a:rPr lang="en-US" dirty="0" smtClean="0"/>
-              <a:t>…</a:t>
-            </a:r>
+            <a:pPr marL="0" indent="0">
+              <a:buNone/>
+            </a:pPr>
+            <a:endParaRPr lang="en-US" dirty="0" smtClean="0"/>
           </a:p>
           <a:p>
             <a:pPr marL="0" indent="0">

--- a/Chapter2/Anatomy of COM server.pptx
+++ b/Chapter2/Anatomy of COM server.pptx
@@ -7,6 +7,13 @@
   <p:sldIdLst>
     <p:sldId id="256" r:id="rId2"/>
     <p:sldId id="257" r:id="rId3"/>
+    <p:sldId id="259" r:id="rId4"/>
+    <p:sldId id="258" r:id="rId5"/>
+    <p:sldId id="260" r:id="rId6"/>
+    <p:sldId id="261" r:id="rId7"/>
+    <p:sldId id="262" r:id="rId8"/>
+    <p:sldId id="263" r:id="rId9"/>
+    <p:sldId id="264" r:id="rId10"/>
   </p:sldIdLst>
   <p:sldSz cx="12192000" cy="6858000"/>
   <p:notesSz cx="6858000" cy="9144000"/>
@@ -3091,7 +3098,11 @@
           <a:p>
             <a:r>
               <a:rPr lang="en-US" dirty="0" smtClean="0"/>
-              <a:t>What is purpose of the COM? Why COM? </a:t>
+              <a:t>+ What </a:t>
+            </a:r>
+            <a:r>
+              <a:rPr lang="en-US" dirty="0" smtClean="0"/>
+              <a:t>is purpose of the COM? Why COM? </a:t>
             </a:r>
             <a:r>
               <a:rPr lang="en-US" i="1" dirty="0" smtClean="0"/>
@@ -3107,11 +3118,7 @@
           <a:p>
             <a:r>
               <a:rPr lang="en-US" i="1" dirty="0" smtClean="0"/>
-              <a:t>Interface </a:t>
-            </a:r>
-            <a:r>
-              <a:rPr lang="en-US" i="1" dirty="0" smtClean="0"/>
-              <a:t>strongly typed variables</a:t>
+              <a:t>Interface strongly typed variables</a:t>
             </a:r>
           </a:p>
           <a:p>
@@ -3131,7 +3138,11 @@
           <a:p>
             <a:r>
               <a:rPr lang="en-US" i="1" dirty="0" smtClean="0"/>
-              <a:t>COM server, COM client, COM runtime</a:t>
+              <a:t>+ COM </a:t>
+            </a:r>
+            <a:r>
+              <a:rPr lang="en-US" i="1" dirty="0" smtClean="0"/>
+              <a:t>server, COM client, COM runtime</a:t>
             </a:r>
           </a:p>
           <a:p>
@@ -3172,12 +3183,16 @@
           </a:p>
           <a:p>
             <a:r>
-              <a:rPr lang="en-US" i="1" dirty="0" err="1" smtClean="0"/>
+              <a:rPr lang="en-US" i="1" smtClean="0"/>
               <a:t>IUnknown</a:t>
             </a:r>
             <a:r>
               <a:rPr lang="en-US" i="1" dirty="0" smtClean="0"/>
-              <a:t> (Release, Add, …)   + code example?</a:t>
+              <a:t> </a:t>
+            </a:r>
+            <a:r>
+              <a:rPr lang="en-US" i="1" dirty="0" smtClean="0"/>
+              <a:t>(Release, Add, …)   + code example?</a:t>
             </a:r>
           </a:p>
           <a:p>
@@ -3207,7 +3222,6 @@
               <a:rPr lang="en-US" dirty="0" smtClean="0"/>
               <a:t>Conclusions: What have we learn, what we gained, ..</a:t>
             </a:r>
-            <a:endParaRPr lang="en-US" dirty="0" smtClean="0"/>
           </a:p>
           <a:p>
             <a:pPr marL="0" indent="0">
@@ -3227,6 +3241,1156 @@
     <p:extLst>
       <p:ext uri="{BB962C8B-B14F-4D97-AF65-F5344CB8AC3E}">
         <p14:creationId xmlns:p14="http://schemas.microsoft.com/office/powerpoint/2010/main" val="4249495906"/>
+      </p:ext>
+    </p:extLst>
+  </p:cSld>
+  <p:clrMapOvr>
+    <a:masterClrMapping/>
+  </p:clrMapOvr>
+</p:sld>
+</file>
+
+<file path=ppt/slides/slide3.xml><?xml version="1.0" encoding="utf-8"?>
+<p:sld xmlns:a="http://schemas.openxmlformats.org/drawingml/2006/main" xmlns:r="http://schemas.openxmlformats.org/officeDocument/2006/relationships" xmlns:p="http://schemas.openxmlformats.org/presentationml/2006/main">
+  <p:cSld>
+    <p:spTree>
+      <p:nvGrpSpPr>
+        <p:cNvPr id="1" name=""/>
+        <p:cNvGrpSpPr/>
+        <p:nvPr/>
+      </p:nvGrpSpPr>
+      <p:grpSpPr>
+        <a:xfrm>
+          <a:off x="0" y="0"/>
+          <a:ext cx="0" cy="0"/>
+          <a:chOff x="0" y="0"/>
+          <a:chExt cx="0" cy="0"/>
+        </a:xfrm>
+      </p:grpSpPr>
+      <p:sp>
+        <p:nvSpPr>
+          <p:cNvPr id="2" name="Title 1"/>
+          <p:cNvSpPr>
+            <a:spLocks noGrp="1"/>
+          </p:cNvSpPr>
+          <p:nvPr>
+            <p:ph type="title"/>
+          </p:nvPr>
+        </p:nvSpPr>
+        <p:spPr/>
+        <p:txBody>
+          <a:bodyPr/>
+          <a:lstStyle/>
+          <a:p>
+            <a:r>
+              <a:rPr lang="en-GB" dirty="0" smtClean="0"/>
+              <a:t>Some history…</a:t>
+            </a:r>
+            <a:endParaRPr lang="en-GB" dirty="0"/>
+          </a:p>
+        </p:txBody>
+      </p:sp>
+      <p:sp>
+        <p:nvSpPr>
+          <p:cNvPr id="3" name="Content Placeholder 2"/>
+          <p:cNvSpPr>
+            <a:spLocks noGrp="1"/>
+          </p:cNvSpPr>
+          <p:nvPr>
+            <p:ph idx="1"/>
+          </p:nvPr>
+        </p:nvSpPr>
+        <p:spPr/>
+        <p:txBody>
+          <a:bodyPr/>
+          <a:lstStyle/>
+          <a:p>
+            <a:r>
+              <a:rPr lang="en-GB" i="1" dirty="0" smtClean="0"/>
+              <a:t>COM 1990…</a:t>
+            </a:r>
+          </a:p>
+          <a:p>
+            <a:r>
+              <a:rPr lang="en-GB" i="1" dirty="0" smtClean="0"/>
+              <a:t>DCOM</a:t>
+            </a:r>
+          </a:p>
+          <a:p>
+            <a:r>
+              <a:rPr lang="en-GB" i="1" dirty="0" smtClean="0"/>
+              <a:t>COM+</a:t>
+            </a:r>
+          </a:p>
+          <a:p>
+            <a:r>
+              <a:rPr lang="en-GB" i="1" dirty="0"/>
+              <a:t>.</a:t>
+            </a:r>
+            <a:r>
+              <a:rPr lang="en-GB" i="1" dirty="0" smtClean="0"/>
+              <a:t>NET</a:t>
+            </a:r>
+          </a:p>
+          <a:p>
+            <a:r>
+              <a:rPr lang="en-GB" i="1" dirty="0" smtClean="0"/>
+              <a:t>“</a:t>
+            </a:r>
+            <a:r>
+              <a:rPr lang="en-GB" i="1" dirty="0"/>
+              <a:t>Now, let's turn our attention to .NET, which can be seen as the fourth version of COM (after pure COM, MTS, and COM+). Saying that, COM is dead, but long live COM (now called .NET</a:t>
+            </a:r>
+            <a:r>
+              <a:rPr lang="en-GB" i="1" dirty="0" smtClean="0"/>
+              <a:t>)!”</a:t>
+            </a:r>
+          </a:p>
+          <a:p>
+            <a:r>
+              <a:rPr lang="en-GB" i="1" dirty="0" smtClean="0">
+                <a:hlinkClick r:id="rId2"/>
+              </a:rPr>
+              <a:t>http</a:t>
+            </a:r>
+            <a:r>
+              <a:rPr lang="en-GB" i="1" dirty="0">
+                <a:hlinkClick r:id="rId2"/>
+              </a:rPr>
+              <a:t>://</a:t>
+            </a:r>
+            <a:r>
+              <a:rPr lang="en-GB" i="1" dirty="0" smtClean="0">
+                <a:hlinkClick r:id="rId2"/>
+              </a:rPr>
+              <a:t>www.informit.com/articles/article.aspx?p=25753</a:t>
+            </a:r>
+            <a:endParaRPr lang="en-GB" i="1" dirty="0"/>
+          </a:p>
+          <a:p>
+            <a:endParaRPr lang="en-GB" i="1" dirty="0"/>
+          </a:p>
+          <a:p>
+            <a:endParaRPr lang="en-GB" i="1" dirty="0"/>
+          </a:p>
+        </p:txBody>
+      </p:sp>
+    </p:spTree>
+    <p:extLst>
+      <p:ext uri="{BB962C8B-B14F-4D97-AF65-F5344CB8AC3E}">
+        <p14:creationId xmlns:p14="http://schemas.microsoft.com/office/powerpoint/2010/main" val="4097439530"/>
+      </p:ext>
+    </p:extLst>
+  </p:cSld>
+  <p:clrMapOvr>
+    <a:masterClrMapping/>
+  </p:clrMapOvr>
+</p:sld>
+</file>
+
+<file path=ppt/slides/slide4.xml><?xml version="1.0" encoding="utf-8"?>
+<p:sld xmlns:a="http://schemas.openxmlformats.org/drawingml/2006/main" xmlns:r="http://schemas.openxmlformats.org/officeDocument/2006/relationships" xmlns:p="http://schemas.openxmlformats.org/presentationml/2006/main">
+  <p:cSld>
+    <p:spTree>
+      <p:nvGrpSpPr>
+        <p:cNvPr id="1" name=""/>
+        <p:cNvGrpSpPr/>
+        <p:nvPr/>
+      </p:nvGrpSpPr>
+      <p:grpSpPr>
+        <a:xfrm>
+          <a:off x="0" y="0"/>
+          <a:ext cx="0" cy="0"/>
+          <a:chOff x="0" y="0"/>
+          <a:chExt cx="0" cy="0"/>
+        </a:xfrm>
+      </p:grpSpPr>
+      <p:sp>
+        <p:nvSpPr>
+          <p:cNvPr id="2" name="Title 1"/>
+          <p:cNvSpPr>
+            <a:spLocks noGrp="1"/>
+          </p:cNvSpPr>
+          <p:nvPr>
+            <p:ph type="title"/>
+          </p:nvPr>
+        </p:nvSpPr>
+        <p:spPr/>
+        <p:txBody>
+          <a:bodyPr>
+            <a:normAutofit fontScale="90000"/>
+          </a:bodyPr>
+          <a:lstStyle/>
+          <a:p>
+            <a:r>
+              <a:rPr lang="en-US" dirty="0"/>
+              <a:t>What is purpose of the COM? Why COM? Why do we need COM?</a:t>
+            </a:r>
+            <a:r>
+              <a:rPr lang="en-US" i="1" dirty="0"/>
+              <a:t/>
+            </a:r>
+            <a:br>
+              <a:rPr lang="en-US" i="1" dirty="0"/>
+            </a:br>
+            <a:endParaRPr lang="en-GB" dirty="0"/>
+          </a:p>
+        </p:txBody>
+      </p:sp>
+      <p:sp>
+        <p:nvSpPr>
+          <p:cNvPr id="3" name="Content Placeholder 2"/>
+          <p:cNvSpPr>
+            <a:spLocks noGrp="1"/>
+          </p:cNvSpPr>
+          <p:nvPr>
+            <p:ph idx="1"/>
+          </p:nvPr>
+        </p:nvSpPr>
+        <p:spPr>
+          <a:xfrm>
+            <a:off x="838200" y="1272731"/>
+            <a:ext cx="10515600" cy="5298189"/>
+          </a:xfrm>
+        </p:spPr>
+        <p:txBody>
+          <a:bodyPr>
+            <a:normAutofit fontScale="85000" lnSpcReduction="20000"/>
+          </a:bodyPr>
+          <a:lstStyle/>
+          <a:p>
+            <a:r>
+              <a:rPr lang="en-GB" dirty="0" smtClean="0"/>
+              <a:t>Component model object</a:t>
+            </a:r>
+          </a:p>
+          <a:p>
+            <a:r>
+              <a:rPr lang="en-GB" dirty="0" smtClean="0"/>
+              <a:t>…most </a:t>
+            </a:r>
+            <a:r>
+              <a:rPr lang="en-GB" dirty="0"/>
+              <a:t>important ideas behind COM was to make it a technique for moving away from monolithic applications toward component-based applications</a:t>
+            </a:r>
+            <a:r>
+              <a:rPr lang="en-GB" dirty="0" smtClean="0"/>
+              <a:t>.</a:t>
+            </a:r>
+          </a:p>
+          <a:p>
+            <a:r>
+              <a:rPr lang="en-GB" dirty="0" smtClean="0"/>
+              <a:t>…to </a:t>
+            </a:r>
+            <a:r>
+              <a:rPr lang="en-GB" dirty="0"/>
+              <a:t>be </a:t>
+            </a:r>
+            <a:r>
+              <a:rPr lang="en-GB" dirty="0" smtClean="0"/>
+              <a:t>language-independent (to make this work IDL is used…)</a:t>
+            </a:r>
+          </a:p>
+          <a:p>
+            <a:r>
+              <a:rPr lang="en-GB" dirty="0" smtClean="0">
+                <a:hlinkClick r:id="rId2"/>
+              </a:rPr>
+              <a:t>http</a:t>
+            </a:r>
+            <a:r>
+              <a:rPr lang="en-GB" dirty="0">
+                <a:hlinkClick r:id="rId2"/>
+              </a:rPr>
+              <a:t>://</a:t>
+            </a:r>
+            <a:r>
+              <a:rPr lang="en-GB" dirty="0" smtClean="0">
+                <a:hlinkClick r:id="rId2"/>
+              </a:rPr>
+              <a:t>www.informit.com/articles/article.aspx?p=25753</a:t>
+            </a:r>
+            <a:endParaRPr lang="en-GB" dirty="0" smtClean="0"/>
+          </a:p>
+          <a:p>
+            <a:pPr marL="228600" lvl="1">
+              <a:spcBef>
+                <a:spcPts val="1000"/>
+              </a:spcBef>
+            </a:pPr>
+            <a:endParaRPr lang="en-GB" dirty="0"/>
+          </a:p>
+          <a:p>
+            <a:pPr marL="228600" lvl="1">
+              <a:spcBef>
+                <a:spcPts val="1000"/>
+              </a:spcBef>
+            </a:pPr>
+            <a:r>
+              <a:rPr lang="en-GB" dirty="0" smtClean="0"/>
+              <a:t>Problems </a:t>
+            </a:r>
+            <a:r>
+              <a:rPr lang="en-GB" dirty="0"/>
+              <a:t>s</a:t>
+            </a:r>
+            <a:r>
+              <a:rPr lang="en-GB" dirty="0" smtClean="0"/>
+              <a:t>tatement: </a:t>
+            </a:r>
+          </a:p>
+          <a:p>
+            <a:pPr marL="228600" lvl="1">
+              <a:spcBef>
+                <a:spcPts val="1000"/>
+              </a:spcBef>
+            </a:pPr>
+            <a:r>
+              <a:rPr lang="en-GB" dirty="0" smtClean="0"/>
+              <a:t>Name collisions </a:t>
+            </a:r>
+            <a:r>
+              <a:rPr lang="en-GB" dirty="0" err="1" smtClean="0"/>
+              <a:t>accros</a:t>
+            </a:r>
+            <a:r>
+              <a:rPr lang="en-GB" dirty="0" smtClean="0"/>
+              <a:t> binaries, </a:t>
+            </a:r>
+            <a:r>
+              <a:rPr lang="en-GB" dirty="0"/>
+              <a:t>binaries </a:t>
+            </a:r>
+            <a:r>
+              <a:rPr lang="en-GB" dirty="0" smtClean="0"/>
+              <a:t>can be used only </a:t>
+            </a:r>
+            <a:r>
+              <a:rPr lang="en-GB" dirty="0"/>
+              <a:t>by language it is </a:t>
+            </a:r>
+            <a:r>
+              <a:rPr lang="en-GB" dirty="0" smtClean="0"/>
+              <a:t>developed on (it is a burden sharing DLL which will be specific to language implementer), </a:t>
+            </a:r>
+          </a:p>
+          <a:p>
+            <a:pPr marL="228600" lvl="1">
+              <a:spcBef>
+                <a:spcPts val="1000"/>
+              </a:spcBef>
+            </a:pPr>
+            <a:r>
+              <a:rPr lang="en-GB" dirty="0" smtClean="0"/>
+              <a:t>ATL,</a:t>
+            </a:r>
+          </a:p>
+          <a:p>
+            <a:pPr marL="228600" lvl="1">
+              <a:spcBef>
+                <a:spcPts val="1000"/>
+              </a:spcBef>
+            </a:pPr>
+            <a:r>
+              <a:rPr lang="en-GB" dirty="0" smtClean="0"/>
+              <a:t>MFC (binary sharing with MFC extension DLLs) very limited…</a:t>
+            </a:r>
+          </a:p>
+          <a:p>
+            <a:pPr marL="228600" lvl="1">
+              <a:spcBef>
+                <a:spcPts val="1000"/>
+              </a:spcBef>
+            </a:pPr>
+            <a:r>
+              <a:rPr lang="en-GB" dirty="0" smtClean="0"/>
+              <a:t>(examples of existing problems)</a:t>
+            </a:r>
+            <a:endParaRPr lang="en-GB" dirty="0"/>
+          </a:p>
+          <a:p>
+            <a:pPr marL="228600" lvl="1">
+              <a:spcBef>
+                <a:spcPts val="1000"/>
+              </a:spcBef>
+            </a:pPr>
+            <a:r>
+              <a:rPr lang="en-GB" dirty="0" smtClean="0"/>
+              <a:t>COM solves above problems</a:t>
+            </a:r>
+          </a:p>
+          <a:p>
+            <a:r>
+              <a:rPr lang="en-GB" dirty="0" smtClean="0"/>
+              <a:t>COM is a way </a:t>
+            </a:r>
+            <a:r>
+              <a:rPr lang="en-GB" dirty="0"/>
+              <a:t>for sharing binary </a:t>
+            </a:r>
+            <a:r>
+              <a:rPr lang="en-GB" dirty="0" smtClean="0"/>
+              <a:t>code (EXE, DLL) </a:t>
+            </a:r>
+            <a:r>
+              <a:rPr lang="en-GB" dirty="0"/>
+              <a:t>across different applications and languages</a:t>
+            </a:r>
+            <a:r>
+              <a:rPr lang="en-GB" dirty="0" smtClean="0"/>
+              <a:t>. </a:t>
+            </a:r>
+          </a:p>
+          <a:p>
+            <a:endParaRPr lang="en-GB" dirty="0" smtClean="0"/>
+          </a:p>
+          <a:p>
+            <a:endParaRPr lang="en-GB" dirty="0" smtClean="0"/>
+          </a:p>
+          <a:p>
+            <a:endParaRPr lang="en-GB" dirty="0"/>
+          </a:p>
+          <a:p>
+            <a:endParaRPr lang="en-GB" dirty="0" smtClean="0"/>
+          </a:p>
+          <a:p>
+            <a:endParaRPr lang="en-GB" dirty="0"/>
+          </a:p>
+          <a:p>
+            <a:endParaRPr lang="en-GB" dirty="0" smtClean="0"/>
+          </a:p>
+          <a:p>
+            <a:pPr lvl="1"/>
+            <a:endParaRPr lang="en-GB" dirty="0" smtClean="0"/>
+          </a:p>
+          <a:p>
+            <a:endParaRPr lang="en-GB" dirty="0"/>
+          </a:p>
+        </p:txBody>
+      </p:sp>
+    </p:spTree>
+    <p:extLst>
+      <p:ext uri="{BB962C8B-B14F-4D97-AF65-F5344CB8AC3E}">
+        <p14:creationId xmlns:p14="http://schemas.microsoft.com/office/powerpoint/2010/main" val="1644917163"/>
+      </p:ext>
+    </p:extLst>
+  </p:cSld>
+  <p:clrMapOvr>
+    <a:masterClrMapping/>
+  </p:clrMapOvr>
+</p:sld>
+</file>
+
+<file path=ppt/slides/slide5.xml><?xml version="1.0" encoding="utf-8"?>
+<p:sld xmlns:a="http://schemas.openxmlformats.org/drawingml/2006/main" xmlns:r="http://schemas.openxmlformats.org/officeDocument/2006/relationships" xmlns:p="http://schemas.openxmlformats.org/presentationml/2006/main">
+  <p:cSld>
+    <p:spTree>
+      <p:nvGrpSpPr>
+        <p:cNvPr id="1" name=""/>
+        <p:cNvGrpSpPr/>
+        <p:nvPr/>
+      </p:nvGrpSpPr>
+      <p:grpSpPr>
+        <a:xfrm>
+          <a:off x="0" y="0"/>
+          <a:ext cx="0" cy="0"/>
+          <a:chOff x="0" y="0"/>
+          <a:chExt cx="0" cy="0"/>
+        </a:xfrm>
+      </p:grpSpPr>
+      <p:sp>
+        <p:nvSpPr>
+          <p:cNvPr id="2" name="Title 1"/>
+          <p:cNvSpPr>
+            <a:spLocks noGrp="1"/>
+          </p:cNvSpPr>
+          <p:nvPr>
+            <p:ph type="title"/>
+          </p:nvPr>
+        </p:nvSpPr>
+        <p:spPr/>
+        <p:txBody>
+          <a:bodyPr/>
+          <a:lstStyle/>
+          <a:p>
+            <a:r>
+              <a:rPr lang="en-GB" dirty="0" err="1" smtClean="0"/>
+              <a:t>Cont</a:t>
+            </a:r>
+            <a:r>
+              <a:rPr lang="en-GB" dirty="0" smtClean="0"/>
+              <a:t>…</a:t>
+            </a:r>
+            <a:endParaRPr lang="en-GB" dirty="0"/>
+          </a:p>
+        </p:txBody>
+      </p:sp>
+      <p:sp>
+        <p:nvSpPr>
+          <p:cNvPr id="3" name="Content Placeholder 2"/>
+          <p:cNvSpPr>
+            <a:spLocks noGrp="1"/>
+          </p:cNvSpPr>
+          <p:nvPr>
+            <p:ph idx="1"/>
+          </p:nvPr>
+        </p:nvSpPr>
+        <p:spPr/>
+        <p:txBody>
+          <a:bodyPr/>
+          <a:lstStyle/>
+          <a:p>
+            <a:r>
+              <a:rPr lang="en-GB" dirty="0" smtClean="0"/>
+              <a:t>Enables SW components to communicate</a:t>
+            </a:r>
+          </a:p>
+          <a:p>
+            <a:r>
+              <a:rPr lang="en-GB" dirty="0" smtClean="0"/>
+              <a:t>Allows developers write re-usable SW components (and link them)</a:t>
+            </a:r>
+          </a:p>
+          <a:p>
+            <a:endParaRPr lang="en-GB" dirty="0" smtClean="0"/>
+          </a:p>
+          <a:p>
+            <a:endParaRPr lang="en-GB" dirty="0" smtClean="0"/>
+          </a:p>
+          <a:p>
+            <a:endParaRPr lang="en-GB" dirty="0" smtClean="0"/>
+          </a:p>
+          <a:p>
+            <a:endParaRPr lang="en-GB" dirty="0"/>
+          </a:p>
+        </p:txBody>
+      </p:sp>
+    </p:spTree>
+    <p:extLst>
+      <p:ext uri="{BB962C8B-B14F-4D97-AF65-F5344CB8AC3E}">
+        <p14:creationId xmlns:p14="http://schemas.microsoft.com/office/powerpoint/2010/main" val="1924556323"/>
+      </p:ext>
+    </p:extLst>
+  </p:cSld>
+  <p:clrMapOvr>
+    <a:masterClrMapping/>
+  </p:clrMapOvr>
+</p:sld>
+</file>
+
+<file path=ppt/slides/slide6.xml><?xml version="1.0" encoding="utf-8"?>
+<p:sld xmlns:a="http://schemas.openxmlformats.org/drawingml/2006/main" xmlns:r="http://schemas.openxmlformats.org/officeDocument/2006/relationships" xmlns:p="http://schemas.openxmlformats.org/presentationml/2006/main">
+  <p:cSld>
+    <p:spTree>
+      <p:nvGrpSpPr>
+        <p:cNvPr id="1" name=""/>
+        <p:cNvGrpSpPr/>
+        <p:nvPr/>
+      </p:nvGrpSpPr>
+      <p:grpSpPr>
+        <a:xfrm>
+          <a:off x="0" y="0"/>
+          <a:ext cx="0" cy="0"/>
+          <a:chOff x="0" y="0"/>
+          <a:chExt cx="0" cy="0"/>
+        </a:xfrm>
+      </p:grpSpPr>
+      <p:sp>
+        <p:nvSpPr>
+          <p:cNvPr id="2" name="Title 1"/>
+          <p:cNvSpPr>
+            <a:spLocks noGrp="1"/>
+          </p:cNvSpPr>
+          <p:nvPr>
+            <p:ph type="title"/>
+          </p:nvPr>
+        </p:nvSpPr>
+        <p:spPr/>
+        <p:txBody>
+          <a:bodyPr>
+            <a:normAutofit fontScale="90000"/>
+          </a:bodyPr>
+          <a:lstStyle/>
+          <a:p>
+            <a:r>
+              <a:rPr lang="en-GB" dirty="0" smtClean="0"/>
+              <a:t>What is? </a:t>
+            </a:r>
+            <a:r>
+              <a:rPr lang="en-US" i="1" dirty="0"/>
+              <a:t>COM server, COM client, COM </a:t>
+            </a:r>
+            <a:r>
+              <a:rPr lang="en-US" i="1" dirty="0" smtClean="0"/>
+              <a:t>runtime…</a:t>
+            </a:r>
+            <a:br>
+              <a:rPr lang="en-US" i="1" dirty="0" smtClean="0"/>
+            </a:br>
+            <a:endParaRPr lang="en-GB" dirty="0"/>
+          </a:p>
+        </p:txBody>
+      </p:sp>
+      <p:sp>
+        <p:nvSpPr>
+          <p:cNvPr id="3" name="Content Placeholder 2"/>
+          <p:cNvSpPr>
+            <a:spLocks noGrp="1"/>
+          </p:cNvSpPr>
+          <p:nvPr>
+            <p:ph idx="1"/>
+          </p:nvPr>
+        </p:nvSpPr>
+        <p:spPr/>
+        <p:txBody>
+          <a:bodyPr>
+            <a:normAutofit fontScale="92500" lnSpcReduction="10000"/>
+          </a:bodyPr>
+          <a:lstStyle/>
+          <a:p>
+            <a:r>
+              <a:rPr lang="en-GB" dirty="0"/>
+              <a:t>A </a:t>
+            </a:r>
+            <a:r>
+              <a:rPr lang="en-GB" i="1" dirty="0"/>
+              <a:t>COM client</a:t>
+            </a:r>
+            <a:r>
+              <a:rPr lang="en-GB" dirty="0"/>
+              <a:t> is whatever code or object gets a pointer to a COM server and uses its services by calling the methods of its interfaces</a:t>
+            </a:r>
+            <a:r>
+              <a:rPr lang="en-GB" dirty="0" smtClean="0"/>
+              <a:t>.</a:t>
+            </a:r>
+          </a:p>
+          <a:p>
+            <a:r>
+              <a:rPr lang="en-GB" dirty="0" smtClean="0"/>
+              <a:t> </a:t>
+            </a:r>
+            <a:r>
+              <a:rPr lang="en-GB" dirty="0"/>
+              <a:t>A </a:t>
+            </a:r>
+            <a:r>
+              <a:rPr lang="en-GB" i="1" dirty="0"/>
+              <a:t>COM server</a:t>
+            </a:r>
+            <a:r>
+              <a:rPr lang="en-GB" dirty="0"/>
+              <a:t> is any object that provides services to clients; these services are in the form of COM interface implementations that can be called by any client that is able to get a pointer to one of the interfaces on the server object</a:t>
+            </a:r>
+            <a:r>
+              <a:rPr lang="en-GB" dirty="0" smtClean="0"/>
+              <a:t>.</a:t>
+            </a:r>
+          </a:p>
+          <a:p>
+            <a:r>
+              <a:rPr lang="en-GB" dirty="0" smtClean="0"/>
+              <a:t>COM server types: </a:t>
+            </a:r>
+          </a:p>
+          <a:p>
+            <a:pPr lvl="1"/>
+            <a:r>
+              <a:rPr lang="en-GB" dirty="0" smtClean="0"/>
+              <a:t>In-process (DLL) on a LOCAL PC, </a:t>
+            </a:r>
+          </a:p>
+          <a:p>
+            <a:pPr lvl="1"/>
+            <a:r>
+              <a:rPr lang="en-GB" dirty="0" smtClean="0"/>
+              <a:t>Out of process (EXE) on a LOCAL and REMOTE PC</a:t>
+            </a:r>
+          </a:p>
+          <a:p>
+            <a:r>
+              <a:rPr lang="en-GB" dirty="0" smtClean="0">
+                <a:hlinkClick r:id="rId2"/>
+              </a:rPr>
+              <a:t>https</a:t>
+            </a:r>
+            <a:r>
+              <a:rPr lang="en-GB" dirty="0">
+                <a:hlinkClick r:id="rId2"/>
+              </a:rPr>
+              <a:t>://msdn.microsoft.com/en-us/library/windows/desktop/ms683835(v=vs.85).</a:t>
+            </a:r>
+            <a:r>
+              <a:rPr lang="en-GB" dirty="0" smtClean="0">
+                <a:hlinkClick r:id="rId2"/>
+              </a:rPr>
+              <a:t>aspx</a:t>
+            </a:r>
+            <a:endParaRPr lang="en-GB" dirty="0" smtClean="0"/>
+          </a:p>
+          <a:p>
+            <a:endParaRPr lang="en-GB" dirty="0" smtClean="0"/>
+          </a:p>
+          <a:p>
+            <a:endParaRPr lang="en-GB" dirty="0"/>
+          </a:p>
+        </p:txBody>
+      </p:sp>
+    </p:spTree>
+    <p:extLst>
+      <p:ext uri="{BB962C8B-B14F-4D97-AF65-F5344CB8AC3E}">
+        <p14:creationId xmlns:p14="http://schemas.microsoft.com/office/powerpoint/2010/main" val="3876568496"/>
+      </p:ext>
+    </p:extLst>
+  </p:cSld>
+  <p:clrMapOvr>
+    <a:masterClrMapping/>
+  </p:clrMapOvr>
+</p:sld>
+</file>
+
+<file path=ppt/slides/slide7.xml><?xml version="1.0" encoding="utf-8"?>
+<p:sld xmlns:a="http://schemas.openxmlformats.org/drawingml/2006/main" xmlns:r="http://schemas.openxmlformats.org/officeDocument/2006/relationships" xmlns:p="http://schemas.openxmlformats.org/presentationml/2006/main">
+  <p:cSld>
+    <p:spTree>
+      <p:nvGrpSpPr>
+        <p:cNvPr id="1" name=""/>
+        <p:cNvGrpSpPr/>
+        <p:nvPr/>
+      </p:nvGrpSpPr>
+      <p:grpSpPr>
+        <a:xfrm>
+          <a:off x="0" y="0"/>
+          <a:ext cx="0" cy="0"/>
+          <a:chOff x="0" y="0"/>
+          <a:chExt cx="0" cy="0"/>
+        </a:xfrm>
+      </p:grpSpPr>
+      <p:sp>
+        <p:nvSpPr>
+          <p:cNvPr id="2" name="Title 1"/>
+          <p:cNvSpPr>
+            <a:spLocks noGrp="1"/>
+          </p:cNvSpPr>
+          <p:nvPr>
+            <p:ph type="title"/>
+          </p:nvPr>
+        </p:nvSpPr>
+        <p:spPr/>
+        <p:txBody>
+          <a:bodyPr/>
+          <a:lstStyle/>
+          <a:p>
+            <a:r>
+              <a:rPr lang="en-GB" dirty="0" err="1" smtClean="0"/>
+              <a:t>Cont</a:t>
+            </a:r>
+            <a:r>
+              <a:rPr lang="en-GB" dirty="0" smtClean="0"/>
+              <a:t>…</a:t>
+            </a:r>
+            <a:endParaRPr lang="en-GB" dirty="0"/>
+          </a:p>
+        </p:txBody>
+      </p:sp>
+      <p:sp>
+        <p:nvSpPr>
+          <p:cNvPr id="3" name="Content Placeholder 2"/>
+          <p:cNvSpPr>
+            <a:spLocks noGrp="1"/>
+          </p:cNvSpPr>
+          <p:nvPr>
+            <p:ph idx="1"/>
+          </p:nvPr>
+        </p:nvSpPr>
+        <p:spPr/>
+        <p:txBody>
+          <a:bodyPr>
+            <a:normAutofit fontScale="70000" lnSpcReduction="20000"/>
+          </a:bodyPr>
+          <a:lstStyle/>
+          <a:p>
+            <a:r>
+              <a:rPr lang="en-GB" dirty="0"/>
+              <a:t>COM runtime (sometimes called COM library?) </a:t>
+            </a:r>
+          </a:p>
+          <a:p>
+            <a:r>
+              <a:rPr lang="en-GB" dirty="0"/>
+              <a:t>COM library is the part of the OS that you interact with when doing COM-related stuff...</a:t>
+            </a:r>
+          </a:p>
+          <a:p>
+            <a:r>
+              <a:rPr lang="en-GB" dirty="0"/>
+              <a:t>To create a COM object and get an interface from the object, you call the COM library API </a:t>
+            </a:r>
+            <a:r>
+              <a:rPr lang="en-GB" dirty="0" err="1"/>
+              <a:t>CoCreateInstance</a:t>
+            </a:r>
+            <a:r>
+              <a:rPr lang="en-GB" dirty="0"/>
+              <a:t>(). The prototype for </a:t>
+            </a:r>
+            <a:r>
+              <a:rPr lang="en-GB" dirty="0" err="1"/>
+              <a:t>CoCreateInstance</a:t>
+            </a:r>
+            <a:r>
+              <a:rPr lang="en-GB" dirty="0"/>
+              <a:t>()</a:t>
+            </a:r>
+          </a:p>
+          <a:p>
+            <a:r>
+              <a:rPr lang="en-GB" dirty="0"/>
+              <a:t>HRESULT </a:t>
+            </a:r>
+            <a:r>
+              <a:rPr lang="en-GB" dirty="0" err="1"/>
+              <a:t>CoCreateInstance</a:t>
+            </a:r>
+            <a:r>
+              <a:rPr lang="en-GB" dirty="0"/>
+              <a:t> (</a:t>
+            </a:r>
+          </a:p>
+          <a:p>
+            <a:r>
+              <a:rPr lang="en-GB" dirty="0"/>
+              <a:t>    REFCLSID  </a:t>
+            </a:r>
+            <a:r>
+              <a:rPr lang="en-GB" dirty="0" err="1"/>
+              <a:t>rclsid</a:t>
+            </a:r>
+            <a:r>
+              <a:rPr lang="en-GB" dirty="0"/>
+              <a:t>,</a:t>
+            </a:r>
+          </a:p>
+          <a:p>
+            <a:r>
+              <a:rPr lang="en-GB" dirty="0"/>
+              <a:t>    LPUNKNOWN </a:t>
+            </a:r>
+            <a:r>
+              <a:rPr lang="en-GB" dirty="0" err="1"/>
+              <a:t>pUnkOuter</a:t>
+            </a:r>
+            <a:r>
+              <a:rPr lang="en-GB" dirty="0"/>
+              <a:t>,</a:t>
+            </a:r>
+          </a:p>
+          <a:p>
+            <a:r>
+              <a:rPr lang="en-GB" dirty="0"/>
+              <a:t>    DWORD     </a:t>
+            </a:r>
+            <a:r>
+              <a:rPr lang="en-GB" dirty="0" err="1"/>
+              <a:t>dwClsContext</a:t>
+            </a:r>
+            <a:r>
+              <a:rPr lang="en-GB" dirty="0"/>
+              <a:t>,</a:t>
+            </a:r>
+          </a:p>
+          <a:p>
+            <a:r>
+              <a:rPr lang="en-GB" dirty="0"/>
+              <a:t>    REFIID    </a:t>
+            </a:r>
+            <a:r>
+              <a:rPr lang="en-GB" dirty="0" err="1"/>
+              <a:t>riid</a:t>
+            </a:r>
+            <a:r>
+              <a:rPr lang="en-GB" dirty="0"/>
+              <a:t>,</a:t>
+            </a:r>
+          </a:p>
+          <a:p>
+            <a:r>
+              <a:rPr lang="en-GB" dirty="0"/>
+              <a:t>    LPVOID*   </a:t>
+            </a:r>
+            <a:r>
+              <a:rPr lang="en-GB" dirty="0" err="1"/>
+              <a:t>ppv</a:t>
+            </a:r>
+            <a:r>
+              <a:rPr lang="en-GB" dirty="0"/>
+              <a:t> );</a:t>
+            </a:r>
+          </a:p>
+          <a:p>
+            <a:r>
+              <a:rPr lang="en-GB" dirty="0"/>
+              <a:t>	</a:t>
+            </a:r>
+          </a:p>
+          <a:p>
+            <a:r>
+              <a:rPr lang="en-GB" dirty="0">
+                <a:hlinkClick r:id="rId2"/>
+              </a:rPr>
+              <a:t>http://www.codeproject.com/Articles/633/Introduction-to-COM-What-It-Is-and-How-to-Use-It</a:t>
+            </a:r>
+            <a:endParaRPr lang="en-GB" dirty="0"/>
+          </a:p>
+          <a:p>
+            <a:endParaRPr lang="en-GB" dirty="0"/>
+          </a:p>
+        </p:txBody>
+      </p:sp>
+    </p:spTree>
+    <p:extLst>
+      <p:ext uri="{BB962C8B-B14F-4D97-AF65-F5344CB8AC3E}">
+        <p14:creationId xmlns:p14="http://schemas.microsoft.com/office/powerpoint/2010/main" val="214742661"/>
+      </p:ext>
+    </p:extLst>
+  </p:cSld>
+  <p:clrMapOvr>
+    <a:masterClrMapping/>
+  </p:clrMapOvr>
+</p:sld>
+</file>
+
+<file path=ppt/slides/slide8.xml><?xml version="1.0" encoding="utf-8"?>
+<p:sld xmlns:a="http://schemas.openxmlformats.org/drawingml/2006/main" xmlns:r="http://schemas.openxmlformats.org/officeDocument/2006/relationships" xmlns:p="http://schemas.openxmlformats.org/presentationml/2006/main">
+  <p:cSld>
+    <p:spTree>
+      <p:nvGrpSpPr>
+        <p:cNvPr id="1" name=""/>
+        <p:cNvGrpSpPr/>
+        <p:nvPr/>
+      </p:nvGrpSpPr>
+      <p:grpSpPr>
+        <a:xfrm>
+          <a:off x="0" y="0"/>
+          <a:ext cx="0" cy="0"/>
+          <a:chOff x="0" y="0"/>
+          <a:chExt cx="0" cy="0"/>
+        </a:xfrm>
+      </p:grpSpPr>
+      <p:sp>
+        <p:nvSpPr>
+          <p:cNvPr id="2" name="Title 1"/>
+          <p:cNvSpPr>
+            <a:spLocks noGrp="1"/>
+          </p:cNvSpPr>
+          <p:nvPr>
+            <p:ph type="title"/>
+          </p:nvPr>
+        </p:nvSpPr>
+        <p:spPr/>
+        <p:txBody>
+          <a:bodyPr/>
+          <a:lstStyle/>
+          <a:p>
+            <a:r>
+              <a:rPr lang="en-US" i="1" dirty="0" err="1" smtClean="0"/>
+              <a:t>IUnknown</a:t>
+            </a:r>
+            <a:r>
+              <a:rPr lang="en-US" i="1" dirty="0" smtClean="0"/>
+              <a:t> </a:t>
+            </a:r>
+            <a:endParaRPr lang="en-GB" dirty="0"/>
+          </a:p>
+        </p:txBody>
+      </p:sp>
+      <p:sp>
+        <p:nvSpPr>
+          <p:cNvPr id="3" name="Content Placeholder 2"/>
+          <p:cNvSpPr>
+            <a:spLocks noGrp="1"/>
+          </p:cNvSpPr>
+          <p:nvPr>
+            <p:ph idx="1"/>
+          </p:nvPr>
+        </p:nvSpPr>
+        <p:spPr/>
+        <p:txBody>
+          <a:bodyPr>
+            <a:normAutofit/>
+          </a:bodyPr>
+          <a:lstStyle/>
+          <a:p>
+            <a:r>
+              <a:rPr lang="en-GB" dirty="0"/>
+              <a:t>The name signifies that if you have an </a:t>
+            </a:r>
+            <a:r>
+              <a:rPr lang="en-GB" dirty="0" err="1"/>
+              <a:t>IUnknown</a:t>
+            </a:r>
+            <a:r>
+              <a:rPr lang="en-GB" dirty="0"/>
+              <a:t> pointer to a COM object, you don't know what the underlying object is, since every COM object implements </a:t>
+            </a:r>
+            <a:r>
+              <a:rPr lang="en-GB" dirty="0" err="1"/>
+              <a:t>IUnknown</a:t>
+            </a:r>
+            <a:r>
+              <a:rPr lang="en-GB" dirty="0" smtClean="0"/>
+              <a:t>.</a:t>
+            </a:r>
+            <a:r>
+              <a:rPr lang="en-GB" dirty="0"/>
+              <a:t>	</a:t>
+            </a:r>
+          </a:p>
+          <a:p>
+            <a:r>
+              <a:rPr lang="en-GB" dirty="0" err="1" smtClean="0"/>
+              <a:t>AddRef</a:t>
+            </a:r>
+            <a:r>
+              <a:rPr lang="en-GB" dirty="0"/>
+              <a:t>() - </a:t>
+            </a:r>
+            <a:r>
+              <a:rPr lang="en-GB" dirty="0" smtClean="0"/>
+              <a:t>COM </a:t>
+            </a:r>
+            <a:r>
+              <a:rPr lang="en-GB" dirty="0"/>
+              <a:t>object to increment its reference </a:t>
+            </a:r>
+            <a:r>
+              <a:rPr lang="en-GB" dirty="0" smtClean="0"/>
+              <a:t>counter</a:t>
+            </a:r>
+            <a:endParaRPr lang="en-GB" dirty="0"/>
+          </a:p>
+          <a:p>
+            <a:r>
+              <a:rPr lang="en-GB" dirty="0"/>
+              <a:t>Release() - </a:t>
+            </a:r>
+            <a:r>
+              <a:rPr lang="en-GB" dirty="0" smtClean="0"/>
+              <a:t>COM </a:t>
+            </a:r>
+            <a:r>
+              <a:rPr lang="en-GB" dirty="0"/>
+              <a:t>object to decrement its reference </a:t>
+            </a:r>
+            <a:r>
+              <a:rPr lang="en-GB" dirty="0" smtClean="0"/>
+              <a:t>counter</a:t>
+            </a:r>
+            <a:endParaRPr lang="en-GB" dirty="0"/>
+          </a:p>
+          <a:p>
+            <a:r>
+              <a:rPr lang="en-GB" dirty="0" err="1"/>
+              <a:t>QueryInterface</a:t>
+            </a:r>
+            <a:r>
+              <a:rPr lang="en-GB" dirty="0"/>
+              <a:t>() Requests an interface pointer from a COM object. You use this when a </a:t>
+            </a:r>
+            <a:r>
+              <a:rPr lang="en-GB" dirty="0" err="1"/>
+              <a:t>coclass</a:t>
+            </a:r>
+            <a:r>
+              <a:rPr lang="en-GB" dirty="0"/>
+              <a:t> implements more than one interface</a:t>
+            </a:r>
+            <a:r>
+              <a:rPr lang="en-GB" dirty="0" smtClean="0"/>
+              <a:t>.  See also [default] parameter</a:t>
+            </a:r>
+          </a:p>
+          <a:p>
+            <a:endParaRPr lang="en-GB" dirty="0" smtClean="0"/>
+          </a:p>
+          <a:p>
+            <a:endParaRPr lang="en-GB" dirty="0"/>
+          </a:p>
+        </p:txBody>
+      </p:sp>
+    </p:spTree>
+    <p:extLst>
+      <p:ext uri="{BB962C8B-B14F-4D97-AF65-F5344CB8AC3E}">
+        <p14:creationId xmlns:p14="http://schemas.microsoft.com/office/powerpoint/2010/main" val="761010119"/>
+      </p:ext>
+    </p:extLst>
+  </p:cSld>
+  <p:clrMapOvr>
+    <a:masterClrMapping/>
+  </p:clrMapOvr>
+</p:sld>
+</file>
+
+<file path=ppt/slides/slide9.xml><?xml version="1.0" encoding="utf-8"?>
+<p:sld xmlns:a="http://schemas.openxmlformats.org/drawingml/2006/main" xmlns:r="http://schemas.openxmlformats.org/officeDocument/2006/relationships" xmlns:p="http://schemas.openxmlformats.org/presentationml/2006/main">
+  <p:cSld>
+    <p:spTree>
+      <p:nvGrpSpPr>
+        <p:cNvPr id="1" name=""/>
+        <p:cNvGrpSpPr/>
+        <p:nvPr/>
+      </p:nvGrpSpPr>
+      <p:grpSpPr>
+        <a:xfrm>
+          <a:off x="0" y="0"/>
+          <a:ext cx="0" cy="0"/>
+          <a:chOff x="0" y="0"/>
+          <a:chExt cx="0" cy="0"/>
+        </a:xfrm>
+      </p:grpSpPr>
+      <p:sp>
+        <p:nvSpPr>
+          <p:cNvPr id="2" name="Title 1"/>
+          <p:cNvSpPr>
+            <a:spLocks noGrp="1"/>
+          </p:cNvSpPr>
+          <p:nvPr>
+            <p:ph type="title"/>
+          </p:nvPr>
+        </p:nvSpPr>
+        <p:spPr/>
+        <p:txBody>
+          <a:bodyPr/>
+          <a:lstStyle/>
+          <a:p>
+            <a:endParaRPr lang="en-GB"/>
+          </a:p>
+        </p:txBody>
+      </p:sp>
+      <p:sp>
+        <p:nvSpPr>
+          <p:cNvPr id="3" name="Content Placeholder 2"/>
+          <p:cNvSpPr>
+            <a:spLocks noGrp="1"/>
+          </p:cNvSpPr>
+          <p:nvPr>
+            <p:ph idx="1"/>
+          </p:nvPr>
+        </p:nvSpPr>
+        <p:spPr/>
+        <p:txBody>
+          <a:bodyPr/>
+          <a:lstStyle/>
+          <a:p>
+            <a:endParaRPr lang="en-GB"/>
+          </a:p>
+        </p:txBody>
+      </p:sp>
+    </p:spTree>
+    <p:extLst>
+      <p:ext uri="{BB962C8B-B14F-4D97-AF65-F5344CB8AC3E}">
+        <p14:creationId xmlns:p14="http://schemas.microsoft.com/office/powerpoint/2010/main" val="933596561"/>
       </p:ext>
     </p:extLst>
   </p:cSld>
